--- a/Slides/17. Aplicações do Laço For.pptx
+++ b/Slides/17. Aplicações do Laço For.pptx
@@ -167,10 +167,17 @@
   <pc:docChgLst>
     <pc:chgData name="Judson Santiago" userId="ebb108da2f256286" providerId="LiveId" clId="{16612653-6A31-4583-82AF-178A82E67EFC}"/>
     <pc:docChg chg="undo redo custSel addSld modSld modMainMaster">
-      <pc:chgData name="Judson Santiago" userId="ebb108da2f256286" providerId="LiveId" clId="{16612653-6A31-4583-82AF-178A82E67EFC}" dt="2021-04-30T06:34:08.221" v="2512" actId="20577"/>
+      <pc:chgData name="Judson Santiago" userId="ebb108da2f256286" providerId="LiveId" clId="{16612653-6A31-4583-82AF-178A82E67EFC}" dt="2021-04-30T18:40:26.038" v="2540" actId="20577"/>
       <pc:docMkLst>
         <pc:docMk/>
       </pc:docMkLst>
+      <pc:sldChg chg="modNotesTx">
+        <pc:chgData name="Judson Santiago" userId="ebb108da2f256286" providerId="LiveId" clId="{16612653-6A31-4583-82AF-178A82E67EFC}" dt="2021-04-30T18:40:26.038" v="2540" actId="20577"/>
+        <pc:sldMkLst>
+          <pc:docMk/>
+          <pc:sldMk cId="0" sldId="256"/>
+        </pc:sldMkLst>
+      </pc:sldChg>
       <pc:sldChg chg="modSp mod">
         <pc:chgData name="Judson Santiago" userId="ebb108da2f256286" providerId="LiveId" clId="{16612653-6A31-4583-82AF-178A82E67EFC}" dt="2021-04-30T02:00:58.797" v="33" actId="6549"/>
         <pc:sldMkLst>
@@ -2806,7 +2813,7 @@
             <a:fld id="{28A4E469-1D52-4F9A-B782-CF632BA3CAE2}" type="datetimeFigureOut">
               <a:rPr lang="pt-BR" smtClean="0"/>
               <a:pPr/>
-              <a:t>29/04/2021</a:t>
+              <a:t>30/04/2021</a:t>
             </a:fld>
             <a:endParaRPr lang="pt-BR"/>
           </a:p>
@@ -3239,6 +3246,33 @@
               <a:rPr lang="pt-BR" baseline="0" dirty="0"/>
               <a:t>conhecer o operador vírgula</a:t>
             </a:r>
+          </a:p>
+          <a:p>
+            <a:pPr marL="171450" marR="0" indent="-171450" algn="l" defTabSz="914400" rtl="0" eaLnBrk="1" fontAlgn="auto" latinLnBrk="0" hangingPunct="1">
+              <a:lnSpc>
+                <a:spcPct val="100000"/>
+              </a:lnSpc>
+              <a:spcBef>
+                <a:spcPts val="0"/>
+              </a:spcBef>
+              <a:spcAft>
+                <a:spcPts val="0"/>
+              </a:spcAft>
+              <a:buClrTx/>
+              <a:buSzTx/>
+              <a:buFontTx/>
+              <a:buChar char="-"/>
+              <a:tabLst/>
+              <a:defRPr/>
+            </a:pPr>
+            <a:r>
+              <a:rPr lang="pt-BR" baseline="0" dirty="0"/>
+              <a:t>Conhecer o novo </a:t>
+            </a:r>
+            <a:r>
+              <a:rPr lang="pt-BR" baseline="0"/>
+              <a:t>laço for</a:t>
+            </a:r>
             <a:endParaRPr lang="pt-BR" dirty="0"/>
           </a:p>
           <a:p>
@@ -4855,7 +4889,7 @@
             <a:fld id="{809BAF9C-B8D8-46D5-A346-6170F2D232B6}" type="datetimeFigureOut">
               <a:rPr lang="pt-BR" smtClean="0"/>
               <a:pPr/>
-              <a:t>29/04/2021</a:t>
+              <a:t>30/04/2021</a:t>
             </a:fld>
             <a:endParaRPr lang="pt-BR"/>
           </a:p>
@@ -5410,7 +5444,7 @@
             <a:fld id="{809BAF9C-B8D8-46D5-A346-6170F2D232B6}" type="datetimeFigureOut">
               <a:rPr lang="pt-BR" smtClean="0"/>
               <a:pPr/>
-              <a:t>29/04/2021</a:t>
+              <a:t>30/04/2021</a:t>
             </a:fld>
             <a:endParaRPr lang="pt-BR"/>
           </a:p>
@@ -5587,7 +5621,7 @@
             <a:fld id="{809BAF9C-B8D8-46D5-A346-6170F2D232B6}" type="datetimeFigureOut">
               <a:rPr lang="pt-BR" smtClean="0"/>
               <a:pPr/>
-              <a:t>29/04/2021</a:t>
+              <a:t>30/04/2021</a:t>
             </a:fld>
             <a:endParaRPr lang="pt-BR"/>
           </a:p>
@@ -5754,7 +5788,7 @@
             <a:fld id="{809BAF9C-B8D8-46D5-A346-6170F2D232B6}" type="datetimeFigureOut">
               <a:rPr lang="pt-BR" smtClean="0"/>
               <a:pPr/>
-              <a:t>29/04/2021</a:t>
+              <a:t>30/04/2021</a:t>
             </a:fld>
             <a:endParaRPr lang="pt-BR"/>
           </a:p>
@@ -7203,7 +7237,7 @@
             <a:fld id="{809BAF9C-B8D8-46D5-A346-6170F2D232B6}" type="datetimeFigureOut">
               <a:rPr lang="pt-BR" smtClean="0"/>
               <a:pPr/>
-              <a:t>29/04/2021</a:t>
+              <a:t>30/04/2021</a:t>
             </a:fld>
             <a:endParaRPr lang="pt-BR"/>
           </a:p>
@@ -7785,7 +7819,7 @@
             <a:fld id="{809BAF9C-B8D8-46D5-A346-6170F2D232B6}" type="datetimeFigureOut">
               <a:rPr lang="pt-BR" smtClean="0"/>
               <a:pPr/>
-              <a:t>29/04/2021</a:t>
+              <a:t>30/04/2021</a:t>
             </a:fld>
             <a:endParaRPr lang="pt-BR"/>
           </a:p>
@@ -8216,7 +8250,7 @@
             <a:fld id="{809BAF9C-B8D8-46D5-A346-6170F2D232B6}" type="datetimeFigureOut">
               <a:rPr lang="pt-BR" smtClean="0"/>
               <a:pPr/>
-              <a:t>29/04/2021</a:t>
+              <a:t>30/04/2021</a:t>
             </a:fld>
             <a:endParaRPr lang="pt-BR"/>
           </a:p>
@@ -8755,7 +8789,7 @@
             <a:fld id="{809BAF9C-B8D8-46D5-A346-6170F2D232B6}" type="datetimeFigureOut">
               <a:rPr lang="pt-BR" smtClean="0"/>
               <a:pPr/>
-              <a:t>29/04/2021</a:t>
+              <a:t>30/04/2021</a:t>
             </a:fld>
             <a:endParaRPr lang="pt-BR"/>
           </a:p>
@@ -8847,7 +8881,7 @@
             <a:fld id="{809BAF9C-B8D8-46D5-A346-6170F2D232B6}" type="datetimeFigureOut">
               <a:rPr lang="pt-BR" smtClean="0"/>
               <a:pPr/>
-              <a:t>29/04/2021</a:t>
+              <a:t>30/04/2021</a:t>
             </a:fld>
             <a:endParaRPr lang="pt-BR"/>
           </a:p>
@@ -9097,7 +9131,7 @@
             <a:fld id="{809BAF9C-B8D8-46D5-A346-6170F2D232B6}" type="datetimeFigureOut">
               <a:rPr lang="pt-BR" smtClean="0"/>
               <a:pPr/>
-              <a:t>29/04/2021</a:t>
+              <a:t>30/04/2021</a:t>
             </a:fld>
             <a:endParaRPr lang="pt-BR"/>
           </a:p>
@@ -9812,7 +9846,7 @@
             <a:fld id="{809BAF9C-B8D8-46D5-A346-6170F2D232B6}" type="datetimeFigureOut">
               <a:rPr lang="pt-BR" smtClean="0"/>
               <a:pPr/>
-              <a:t>29/04/2021</a:t>
+              <a:t>30/04/2021</a:t>
             </a:fld>
             <a:endParaRPr lang="pt-BR"/>
           </a:p>
@@ -10093,7 +10127,7 @@
             <a:fld id="{809BAF9C-B8D8-46D5-A346-6170F2D232B6}" type="datetimeFigureOut">
               <a:rPr lang="pt-BR" smtClean="0"/>
               <a:pPr/>
-              <a:t>29/04/2021</a:t>
+              <a:t>30/04/2021</a:t>
             </a:fld>
             <a:endParaRPr lang="pt-BR"/>
           </a:p>
